--- a/פרויקט יינות.pptx
+++ b/פרויקט יינות.pptx
@@ -3790,13 +3790,13 @@
           <a:p>
             <a:r>
               <a:rPr lang="he-IL" dirty="0"/>
-              <a:t>רציתי לראות מה רשמת ההשפעה של כל אחד מנתוני היין שיש לנו על איכות הטעם. </a:t>
+              <a:t>רציתי לראות מה רמת ההשפעה של כל אחד מנתוני היין שיש לנו על איכות הטעם. </a:t>
             </a:r>
           </a:p>
           <a:p>
             <a:r>
               <a:rPr lang="he-IL" dirty="0"/>
-              <a:t>ניתן לראות שמה שהכי משפיע זה אלכוהול. ומה שהכי פחות צפיפות וחומציות נדיפה.</a:t>
+              <a:t>ניתן לראות שיש קשר חזק בין איכות היין לרמת האלכוהול וקשר חלש בין איכות היין לצפיפות וחומציות נדיפה. </a:t>
             </a:r>
           </a:p>
         </p:txBody>
@@ -4296,7 +4296,7 @@
           <a:p>
             <a:r>
               <a:rPr lang="he-IL" dirty="0"/>
-              <a:t>ואז החלטתי לחקור כמה קטגוריות מעט יותר לעומק ..</a:t>
+              <a:t>ואז החלטתי לחקור כמה פיצ'רים מעט יותר לעומק ..</a:t>
             </a:r>
           </a:p>
         </p:txBody>
@@ -4721,7 +4721,15 @@
             <a:pPr algn="ctr"/>
             <a:r>
               <a:rPr lang="he-IL" sz="2200" dirty="0"/>
-              <a:t>יצרתי גרף הסטנוגרמה לקטגוריית החומציות .רציתי להבין איפה החומציות גבוהה יותר? ביין לבן או אדום?</a:t>
+              <a:t>יצרתי גרף </a:t>
+            </a:r>
+            <a:r>
+              <a:rPr lang="he-IL" sz="2200" dirty="0" err="1"/>
+              <a:t>היסטוגרמה</a:t>
+            </a:r>
+            <a:r>
+              <a:rPr lang="he-IL" sz="2200" dirty="0"/>
+              <a:t> לקטגוריית החומציות .רציתי להבין איפה החומציות גבוהה יותר? ביין לבן או אדום?</a:t>
             </a:r>
           </a:p>
         </p:txBody>
@@ -5313,7 +5321,15 @@
             <a:pPr algn="ctr"/>
             <a:r>
               <a:rPr lang="he-IL" sz="2200" dirty="0"/>
-              <a:t>יצרתי גרף הסטנוגרמה לקטגוריית הסוכרים .רציתי להבין איפה רמת הסוכרים גבוהה יותר? ביין לבן או אדום?</a:t>
+              <a:t>יצרתי גרף </a:t>
+            </a:r>
+            <a:r>
+              <a:rPr lang="he-IL" sz="2200" dirty="0" err="1"/>
+              <a:t>היסטוגרמה</a:t>
+            </a:r>
+            <a:r>
+              <a:rPr lang="he-IL" sz="2200" dirty="0"/>
+              <a:t> לקטגוריית הסוכרים .רציתי להבין איפה רמת הסוכרים גבוהה יותר? ביין לבן או אדום?</a:t>
             </a:r>
           </a:p>
         </p:txBody>
@@ -5941,7 +5957,15 @@
             <a:pPr algn="ctr"/>
             <a:r>
               <a:rPr lang="he-IL" sz="2200" dirty="0"/>
-              <a:t>יצרתי גרף הסטנוגרמה לקטגוריית הצפיפות .רציתי להבין איזה יין בעל צפיפות גבוהה יותר? יין לבן או אדום?</a:t>
+              <a:t>יצרתי גרף </a:t>
+            </a:r>
+            <a:r>
+              <a:rPr lang="he-IL" sz="2200" dirty="0" err="1"/>
+              <a:t>היסטוגרמה</a:t>
+            </a:r>
+            <a:r>
+              <a:rPr lang="he-IL" sz="2200" dirty="0"/>
+              <a:t> לקטגוריית הצפיפות .רציתי להבין איזה יין בעל צפיפות גבוהה יותר? יין לבן או אדום?</a:t>
             </a:r>
           </a:p>
         </p:txBody>
@@ -6820,7 +6844,7 @@
             <a:pPr algn="ctr"/>
             <a:r>
               <a:rPr lang="he-IL" sz="2200" dirty="0"/>
-              <a:t>אפשר לראות בגרף שעד דירוג טעם 5 אחוזי האלכוהול בחלקם התחתון (9-1) ולאחר דירוג טעם 5 – האחוזים והדירוג עולים בהדרגה.</a:t>
+              <a:t>אפשר לראות בגרף שעד דירוג טעם 5, אחוזי האלכוהול נמוכים יותר ולאחר דירוג טעם 5 – האחוזים והדירוג עולים בהדרגה.</a:t>
             </a:r>
             <a:br>
               <a:rPr lang="en-US" sz="2200" dirty="0"/>
@@ -7052,7 +7076,7 @@
           <a:p>
             <a:r>
               <a:rPr lang="he-IL" dirty="0"/>
-              <a:t>האחוזים יוצאים סביב ה76%</a:t>
+              <a:t>לאחר אימון המודל, התוצאות על הטסט היו סביב ה76%</a:t>
             </a:r>
           </a:p>
         </p:txBody>
@@ -7109,7 +7133,7 @@
         </p:blipFill>
         <p:spPr>
           <a:xfrm>
-            <a:off x="7016305" y="4334063"/>
+            <a:off x="7055334" y="4629570"/>
             <a:ext cx="3726422" cy="675258"/>
           </a:xfrm>
           <a:prstGeom prst="rect">
@@ -7714,7 +7738,7 @@
           <a:p>
             <a:r>
               <a:rPr lang="he-IL" dirty="0"/>
-              <a:t>קראתי על עוד אלגוריתם לנפוץ לחיזוי – </a:t>
+              <a:t>קראתי על עוד אלגוריתם נפוץ לחיזוי – </a:t>
             </a:r>
             <a:r>
               <a:rPr lang="en-US" dirty="0"/>
@@ -8310,11 +8334,11 @@
           <a:p>
             <a:r>
               <a:rPr lang="he-IL" dirty="0"/>
-              <a:t>השתמשתי ב</a:t>
-            </a:r>
-            <a:r>
-              <a:rPr lang="en-US" dirty="0" err="1"/>
-              <a:t>api</a:t>
+              <a:t>השתמשתי ב-</a:t>
+            </a:r>
+            <a:r>
+              <a:rPr lang="en-US" dirty="0"/>
+              <a:t>API</a:t>
             </a:r>
             <a:r>
               <a:rPr lang="he-IL" dirty="0"/>
@@ -8497,7 +8521,7 @@
           <a:p>
             <a:r>
               <a:rPr lang="he-IL" dirty="0"/>
-              <a:t>הקריטריונים שהתקבלו בשליפת הנתונים הם-</a:t>
+              <a:t>הפיצ'רים שהתקבלו בשליפת הנתונים הם-</a:t>
             </a:r>
           </a:p>
           <a:p>
@@ -8549,7 +8573,7 @@
                 <a:effectLst/>
                 <a:latin typeface="Inter"/>
               </a:rPr>
-              <a:t>(חומציות נדיפה)</a:t>
+              <a:t> (חומציות נדיפה)</a:t>
             </a:r>
             <a:endParaRPr lang="en-US" b="0" i="0" dirty="0">
               <a:solidFill>
@@ -8569,7 +8593,7 @@
                 <a:effectLst/>
                 <a:latin typeface="Inter"/>
               </a:rPr>
-              <a:t>citric acid</a:t>
+              <a:t> citric acid</a:t>
             </a:r>
             <a:r>
               <a:rPr lang="he-IL" b="0" i="0" dirty="0">
@@ -8608,7 +8632,7 @@
                 <a:effectLst/>
                 <a:latin typeface="Inter"/>
               </a:rPr>
-              <a:t>(סוכר)</a:t>
+              <a:t> (סוכר)</a:t>
             </a:r>
             <a:endParaRPr lang="en-US" b="0" i="0" dirty="0">
               <a:solidFill>
@@ -8628,7 +8652,7 @@
                 <a:effectLst/>
                 <a:latin typeface="Inter"/>
               </a:rPr>
-              <a:t>Chlorides</a:t>
+              <a:t> Chlorides</a:t>
             </a:r>
             <a:r>
               <a:rPr lang="he-IL" b="0" i="0" dirty="0">
@@ -8661,7 +8685,7 @@
                 <a:effectLst/>
                 <a:latin typeface="Inter"/>
               </a:rPr>
-              <a:t>(גופרית דו חמצנית חופשית)</a:t>
+              <a:t> (גופרית דו חמצנית חופשית)</a:t>
             </a:r>
             <a:endParaRPr lang="en-US" b="0" i="0" dirty="0">
               <a:solidFill>
@@ -8691,7 +8715,7 @@
                 <a:effectLst/>
                 <a:latin typeface="Inter"/>
               </a:rPr>
-              <a:t>(גופרית דו חמנית כוללת)</a:t>
+              <a:t> (גופרית דו חמנית כוללת)</a:t>
             </a:r>
             <a:endParaRPr lang="en-US" dirty="0">
               <a:solidFill>
@@ -8710,7 +8734,7 @@
                 <a:effectLst/>
                 <a:latin typeface="Inter"/>
               </a:rPr>
-              <a:t>Density</a:t>
+              <a:t> Density</a:t>
             </a:r>
             <a:r>
               <a:rPr lang="he-IL" b="0" i="0" dirty="0">
@@ -8750,7 +8774,7 @@
                 <a:effectLst/>
                 <a:latin typeface="Inter"/>
               </a:rPr>
-              <a:t>(חומציות)</a:t>
+              <a:t> (חומציות)</a:t>
             </a:r>
             <a:endParaRPr lang="en-US" dirty="0">
               <a:solidFill>
@@ -8779,7 +8803,7 @@
                 <a:effectLst/>
                 <a:latin typeface="Inter"/>
               </a:rPr>
-              <a:t>(מלח)</a:t>
+              <a:t> (מלח)</a:t>
             </a:r>
             <a:endParaRPr lang="en-US" b="0" i="0" dirty="0">
               <a:solidFill>
@@ -8799,7 +8823,7 @@
                 <a:effectLst/>
                 <a:latin typeface="Inter"/>
               </a:rPr>
-              <a:t>Alcohol</a:t>
+              <a:t> Alcohol</a:t>
             </a:r>
             <a:r>
               <a:rPr lang="he-IL" b="0" i="0" dirty="0">
@@ -8838,7 +8862,7 @@
                 <a:effectLst/>
                 <a:latin typeface="Inter"/>
               </a:rPr>
-              <a:t>(איכות טעם)</a:t>
+              <a:t> (איכות טעם)</a:t>
             </a:r>
           </a:p>
           <a:p>
@@ -8897,7 +8921,7 @@
         </p:blipFill>
         <p:spPr>
           <a:xfrm>
-            <a:off x="218661" y="1441174"/>
+            <a:off x="158431" y="992187"/>
             <a:ext cx="5615609" cy="2737170"/>
           </a:xfrm>
           <a:prstGeom prst="rect">
@@ -8941,7 +8965,7 @@
         </p:blipFill>
         <p:spPr>
           <a:xfrm>
-            <a:off x="5999578" y="5714840"/>
+            <a:off x="3026465" y="4228708"/>
             <a:ext cx="5353797" cy="1143160"/>
           </a:xfrm>
           <a:prstGeom prst="rect">
@@ -8978,7 +9002,7 @@
         </p:blipFill>
         <p:spPr bwMode="auto">
           <a:xfrm>
-            <a:off x="1573894" y="4750904"/>
+            <a:off x="360033" y="5078689"/>
             <a:ext cx="2606202" cy="1739347"/>
           </a:xfrm>
           <a:prstGeom prst="rect">
@@ -9267,7 +9291,7 @@
             </a:r>
             <a:r>
               <a:rPr lang="he-IL" dirty="0"/>
-              <a:t> נשנה לערכים נומריים – </a:t>
+              <a:t> שיניתי לערכים נומריים – </a:t>
             </a:r>
           </a:p>
           <a:p>
@@ -9688,7 +9712,7 @@
         </p:nvSpPr>
         <p:spPr>
           <a:xfrm>
-            <a:off x="-1828800" y="18255"/>
+            <a:off x="-2124307" y="-195674"/>
             <a:ext cx="10515600" cy="1325563"/>
           </a:xfrm>
         </p:spPr>
@@ -9721,7 +9745,7 @@
         </p:nvSpPr>
         <p:spPr>
           <a:xfrm>
-            <a:off x="6370982" y="1133777"/>
+            <a:off x="6437245" y="626535"/>
             <a:ext cx="5181600" cy="4351338"/>
           </a:xfrm>
         </p:spPr>
@@ -9743,7 +9767,7 @@
           <a:p>
             <a:r>
               <a:rPr lang="he-IL" dirty="0"/>
-              <a:t>ראיתי בטבלה שיש טווח ערכים גדול מידי בחלק מהנתונים ולכן אנו מבינים שיש לנו ערכים חריגים</a:t>
+              <a:t>ראיתי בטבלה שיש טווח ערכים גדול מידי בחלק מהנתונים (בדקתי זאת לפי ממוצע וסטיית תקן) ולכן יש צורך לטפל בערכים חריגים.</a:t>
             </a:r>
             <a:endParaRPr lang="en-US" dirty="0"/>
           </a:p>
@@ -9776,7 +9800,7 @@
         </p:blipFill>
         <p:spPr>
           <a:xfrm>
-            <a:off x="6172199" y="2004034"/>
+            <a:off x="6339467" y="1577962"/>
             <a:ext cx="5181600" cy="380734"/>
           </a:xfrm>
           <a:prstGeom prst="rect">
@@ -10514,19 +10538,19 @@
         <p:spPr/>
         <p:txBody>
           <a:bodyPr>
-            <a:normAutofit lnSpcReduction="10000"/>
+            <a:normAutofit/>
           </a:bodyPr>
           <a:lstStyle/>
           <a:p>
             <a:r>
               <a:rPr lang="he-IL" dirty="0"/>
-              <a:t>טיפלתי בנתונים חריגים על ידי כך שקודם כל הבנתי מי הנתונים החריגים שלי. הגדרתי טווח מקסימלי שכל מספר מעליו יהיה חריג. </a:t>
+              <a:t>טיפלתי בנתונים חריגים על ידי כך שקודם כל הבנתי מי הם הנתונים החריגים. הגדרתי טווח מקסימלי שכל מספר מעליו יהיה חריג. </a:t>
             </a:r>
           </a:p>
           <a:p>
             <a:r>
               <a:rPr lang="he-IL" dirty="0"/>
-              <a:t>לאחר הרצת פקודה </a:t>
+              <a:t>לאחר הרצת הפקודה </a:t>
             </a:r>
             <a:r>
               <a:rPr lang="en-US" dirty="0"/>

--- a/פרויקט יינות.pptx
+++ b/פרויקט יינות.pptx
@@ -282,7 +282,7 @@
           <a:p>
             <a:fld id="{28077BA0-B155-42EA-919A-EAA9F131D4A5}" type="datetimeFigureOut">
               <a:rPr lang="he-IL" smtClean="0"/>
-              <a:t>י"ד/תמוז/תשפ"א</a:t>
+              <a:t>כ'/תמוז/תשפ"א</a:t>
             </a:fld>
             <a:endParaRPr lang="he-IL"/>
           </a:p>
@@ -480,7 +480,7 @@
           <a:p>
             <a:fld id="{28077BA0-B155-42EA-919A-EAA9F131D4A5}" type="datetimeFigureOut">
               <a:rPr lang="he-IL" smtClean="0"/>
-              <a:t>י"ד/תמוז/תשפ"א</a:t>
+              <a:t>כ'/תמוז/תשפ"א</a:t>
             </a:fld>
             <a:endParaRPr lang="he-IL"/>
           </a:p>
@@ -688,7 +688,7 @@
           <a:p>
             <a:fld id="{28077BA0-B155-42EA-919A-EAA9F131D4A5}" type="datetimeFigureOut">
               <a:rPr lang="he-IL" smtClean="0"/>
-              <a:t>י"ד/תמוז/תשפ"א</a:t>
+              <a:t>כ'/תמוז/תשפ"א</a:t>
             </a:fld>
             <a:endParaRPr lang="he-IL"/>
           </a:p>
@@ -886,7 +886,7 @@
           <a:p>
             <a:fld id="{28077BA0-B155-42EA-919A-EAA9F131D4A5}" type="datetimeFigureOut">
               <a:rPr lang="he-IL" smtClean="0"/>
-              <a:t>י"ד/תמוז/תשפ"א</a:t>
+              <a:t>כ'/תמוז/תשפ"א</a:t>
             </a:fld>
             <a:endParaRPr lang="he-IL"/>
           </a:p>
@@ -1161,7 +1161,7 @@
           <a:p>
             <a:fld id="{28077BA0-B155-42EA-919A-EAA9F131D4A5}" type="datetimeFigureOut">
               <a:rPr lang="he-IL" smtClean="0"/>
-              <a:t>י"ד/תמוז/תשפ"א</a:t>
+              <a:t>כ'/תמוז/תשפ"א</a:t>
             </a:fld>
             <a:endParaRPr lang="he-IL"/>
           </a:p>
@@ -1426,7 +1426,7 @@
           <a:p>
             <a:fld id="{28077BA0-B155-42EA-919A-EAA9F131D4A5}" type="datetimeFigureOut">
               <a:rPr lang="he-IL" smtClean="0"/>
-              <a:t>י"ד/תמוז/תשפ"א</a:t>
+              <a:t>כ'/תמוז/תשפ"א</a:t>
             </a:fld>
             <a:endParaRPr lang="he-IL"/>
           </a:p>
@@ -1838,7 +1838,7 @@
           <a:p>
             <a:fld id="{28077BA0-B155-42EA-919A-EAA9F131D4A5}" type="datetimeFigureOut">
               <a:rPr lang="he-IL" smtClean="0"/>
-              <a:t>י"ד/תמוז/תשפ"א</a:t>
+              <a:t>כ'/תמוז/תשפ"א</a:t>
             </a:fld>
             <a:endParaRPr lang="he-IL"/>
           </a:p>
@@ -1979,7 +1979,7 @@
           <a:p>
             <a:fld id="{28077BA0-B155-42EA-919A-EAA9F131D4A5}" type="datetimeFigureOut">
               <a:rPr lang="he-IL" smtClean="0"/>
-              <a:t>י"ד/תמוז/תשפ"א</a:t>
+              <a:t>כ'/תמוז/תשפ"א</a:t>
             </a:fld>
             <a:endParaRPr lang="he-IL"/>
           </a:p>
@@ -2092,7 +2092,7 @@
           <a:p>
             <a:fld id="{28077BA0-B155-42EA-919A-EAA9F131D4A5}" type="datetimeFigureOut">
               <a:rPr lang="he-IL" smtClean="0"/>
-              <a:t>י"ד/תמוז/תשפ"א</a:t>
+              <a:t>כ'/תמוז/תשפ"א</a:t>
             </a:fld>
             <a:endParaRPr lang="he-IL"/>
           </a:p>
@@ -2403,7 +2403,7 @@
           <a:p>
             <a:fld id="{28077BA0-B155-42EA-919A-EAA9F131D4A5}" type="datetimeFigureOut">
               <a:rPr lang="he-IL" smtClean="0"/>
-              <a:t>י"ד/תמוז/תשפ"א</a:t>
+              <a:t>כ'/תמוז/תשפ"א</a:t>
             </a:fld>
             <a:endParaRPr lang="he-IL"/>
           </a:p>
@@ -2691,7 +2691,7 @@
           <a:p>
             <a:fld id="{28077BA0-B155-42EA-919A-EAA9F131D4A5}" type="datetimeFigureOut">
               <a:rPr lang="he-IL" smtClean="0"/>
-              <a:t>י"ד/תמוז/תשפ"א</a:t>
+              <a:t>כ'/תמוז/תשפ"א</a:t>
             </a:fld>
             <a:endParaRPr lang="he-IL"/>
           </a:p>
@@ -2938,7 +2938,7 @@
           <a:p>
             <a:fld id="{28077BA0-B155-42EA-919A-EAA9F131D4A5}" type="datetimeFigureOut">
               <a:rPr lang="he-IL" smtClean="0"/>
-              <a:t>י"ד/תמוז/תשפ"א</a:t>
+              <a:t>כ'/תמוז/תשפ"א</a:t>
             </a:fld>
             <a:endParaRPr lang="he-IL"/>
           </a:p>
@@ -7083,10 +7083,10 @@
       </p:sp>
       <p:pic>
         <p:nvPicPr>
-          <p:cNvPr id="10" name="תמונה 9">
-            <a:extLst>
-              <a:ext uri="{FF2B5EF4-FFF2-40B4-BE49-F238E27FC236}">
-                <a16:creationId xmlns:a16="http://schemas.microsoft.com/office/drawing/2014/main" id="{60F13232-6CA9-469D-B1D8-4C697AE49E14}"/>
+          <p:cNvPr id="12" name="תמונה 11">
+            <a:extLst>
+              <a:ext uri="{FF2B5EF4-FFF2-40B4-BE49-F238E27FC236}">
+                <a16:creationId xmlns:a16="http://schemas.microsoft.com/office/drawing/2014/main" id="{5D63FFEF-BE34-47E3-ADE4-68ACE5407424}"/>
               </a:ext>
             </a:extLst>
           </p:cNvPr>
@@ -7103,8 +7103,8 @@
         </p:blipFill>
         <p:spPr>
           <a:xfrm>
-            <a:off x="723150" y="2220681"/>
-            <a:ext cx="5372850" cy="1343212"/>
+            <a:off x="7055334" y="4629570"/>
+            <a:ext cx="3726422" cy="675258"/>
           </a:xfrm>
           <a:prstGeom prst="rect">
             <a:avLst/>
@@ -7113,10 +7113,10 @@
       </p:pic>
       <p:pic>
         <p:nvPicPr>
-          <p:cNvPr id="12" name="תמונה 11">
-            <a:extLst>
-              <a:ext uri="{FF2B5EF4-FFF2-40B4-BE49-F238E27FC236}">
-                <a16:creationId xmlns:a16="http://schemas.microsoft.com/office/drawing/2014/main" id="{5D63FFEF-BE34-47E3-ADE4-68ACE5407424}"/>
+          <p:cNvPr id="5" name="תמונה 4">
+            <a:extLst>
+              <a:ext uri="{FF2B5EF4-FFF2-40B4-BE49-F238E27FC236}">
+                <a16:creationId xmlns:a16="http://schemas.microsoft.com/office/drawing/2014/main" id="{8515B28C-4223-4F9E-BB42-57BA22477151}"/>
               </a:ext>
             </a:extLst>
           </p:cNvPr>
@@ -7133,8 +7133,8 @@
         </p:blipFill>
         <p:spPr>
           <a:xfrm>
-            <a:off x="7055334" y="4629570"/>
-            <a:ext cx="3726422" cy="675258"/>
+            <a:off x="55969" y="2162027"/>
+            <a:ext cx="6125166" cy="1531291"/>
           </a:xfrm>
           <a:prstGeom prst="rect">
             <a:avLst/>

--- a/פרויקט יינות.pptx
+++ b/פרויקט יינות.pptx
@@ -7905,19 +7905,17 @@
       </p:pic>
       <p:pic>
         <p:nvPicPr>
-          <p:cNvPr id="8" name="מציין מיקום תוכן 7">
-            <a:extLst>
-              <a:ext uri="{FF2B5EF4-FFF2-40B4-BE49-F238E27FC236}">
-                <a16:creationId xmlns:a16="http://schemas.microsoft.com/office/drawing/2014/main" id="{846C243B-5702-4160-8843-E78802F5C1EB}"/>
+          <p:cNvPr id="5" name="תמונה 4">
+            <a:extLst>
+              <a:ext uri="{FF2B5EF4-FFF2-40B4-BE49-F238E27FC236}">
+                <a16:creationId xmlns:a16="http://schemas.microsoft.com/office/drawing/2014/main" id="{430B2E6B-763C-4CA1-8039-C967471AD9A7}"/>
               </a:ext>
             </a:extLst>
           </p:cNvPr>
           <p:cNvPicPr>
-            <a:picLocks noGrp="1" noChangeAspect="1"/>
+            <a:picLocks noChangeAspect="1"/>
           </p:cNvPicPr>
-          <p:nvPr>
-            <p:ph sz="half" idx="2"/>
-          </p:nvPr>
+          <p:nvPr/>
         </p:nvPicPr>
         <p:blipFill>
           <a:blip r:embed="rId3"/>
@@ -7927,9 +7925,12 @@
         </p:blipFill>
         <p:spPr>
           <a:xfrm>
-            <a:off x="6507214" y="82749"/>
-            <a:ext cx="5456260" cy="2600816"/>
-          </a:xfrm>
+            <a:off x="5109683" y="107413"/>
+            <a:ext cx="6868484" cy="2419688"/>
+          </a:xfrm>
+          <a:prstGeom prst="rect">
+            <a:avLst/>
+          </a:prstGeom>
         </p:spPr>
       </p:pic>
     </p:spTree>
